--- a/Лекция N+1 - FTS in Postgres.pptx
+++ b/Лекция N+1 - FTS in Postgres.pptx
@@ -5,7 +5,7 @@
     <p:sldMasterId id="2147483660" r:id="rId1"/>
   </p:sldMasterIdLst>
   <p:notesMasterIdLst>
-    <p:notesMasterId r:id="rId10"/>
+    <p:notesMasterId r:id="rId11"/>
   </p:notesMasterIdLst>
   <p:sldIdLst>
     <p:sldId id="256" r:id="rId2"/>
@@ -13,9 +13,10 @@
     <p:sldId id="266" r:id="rId4"/>
     <p:sldId id="267" r:id="rId5"/>
     <p:sldId id="268" r:id="rId6"/>
-    <p:sldId id="269" r:id="rId7"/>
-    <p:sldId id="270" r:id="rId8"/>
-    <p:sldId id="265" r:id="rId9"/>
+    <p:sldId id="271" r:id="rId7"/>
+    <p:sldId id="269" r:id="rId8"/>
+    <p:sldId id="270" r:id="rId9"/>
+    <p:sldId id="265" r:id="rId10"/>
   </p:sldIdLst>
   <p:sldSz cx="12192000" cy="6858000"/>
   <p:notesSz cx="6858000" cy="9144000"/>
@@ -722,7 +723,7 @@
           <a:p>
             <a:fld id="{81B23B3C-5F11-4E32-800A-6DF3DED5BE53}" type="datetimeFigureOut">
               <a:rPr lang="ru-RU" smtClean="0"/>
-              <a:t>22.05.2019</a:t>
+              <a:t>23.05.2019</a:t>
             </a:fld>
             <a:endParaRPr lang="ru-RU"/>
           </a:p>
@@ -892,7 +893,7 @@
           <a:p>
             <a:fld id="{81B23B3C-5F11-4E32-800A-6DF3DED5BE53}" type="datetimeFigureOut">
               <a:rPr lang="ru-RU" smtClean="0"/>
-              <a:t>22.05.2019</a:t>
+              <a:t>23.05.2019</a:t>
             </a:fld>
             <a:endParaRPr lang="ru-RU"/>
           </a:p>
@@ -1072,7 +1073,7 @@
           <a:p>
             <a:fld id="{81B23B3C-5F11-4E32-800A-6DF3DED5BE53}" type="datetimeFigureOut">
               <a:rPr lang="ru-RU" smtClean="0"/>
-              <a:t>22.05.2019</a:t>
+              <a:t>23.05.2019</a:t>
             </a:fld>
             <a:endParaRPr lang="ru-RU"/>
           </a:p>
@@ -1242,7 +1243,7 @@
           <a:p>
             <a:fld id="{81B23B3C-5F11-4E32-800A-6DF3DED5BE53}" type="datetimeFigureOut">
               <a:rPr lang="ru-RU" smtClean="0"/>
-              <a:t>22.05.2019</a:t>
+              <a:t>23.05.2019</a:t>
             </a:fld>
             <a:endParaRPr lang="ru-RU"/>
           </a:p>
@@ -1510,7 +1511,7 @@
           <a:p>
             <a:fld id="{81B23B3C-5F11-4E32-800A-6DF3DED5BE53}" type="datetimeFigureOut">
               <a:rPr lang="ru-RU" smtClean="0"/>
-              <a:t>22.05.2019</a:t>
+              <a:t>23.05.2019</a:t>
             </a:fld>
             <a:endParaRPr lang="ru-RU"/>
           </a:p>
@@ -1742,7 +1743,7 @@
           <a:p>
             <a:fld id="{81B23B3C-5F11-4E32-800A-6DF3DED5BE53}" type="datetimeFigureOut">
               <a:rPr lang="ru-RU" smtClean="0"/>
-              <a:t>22.05.2019</a:t>
+              <a:t>23.05.2019</a:t>
             </a:fld>
             <a:endParaRPr lang="ru-RU"/>
           </a:p>
@@ -2101,7 +2102,7 @@
           <a:p>
             <a:fld id="{81B23B3C-5F11-4E32-800A-6DF3DED5BE53}" type="datetimeFigureOut">
               <a:rPr lang="ru-RU" smtClean="0"/>
-              <a:t>22.05.2019</a:t>
+              <a:t>23.05.2019</a:t>
             </a:fld>
             <a:endParaRPr lang="ru-RU"/>
           </a:p>
@@ -2242,7 +2243,7 @@
           <a:p>
             <a:fld id="{81B23B3C-5F11-4E32-800A-6DF3DED5BE53}" type="datetimeFigureOut">
               <a:rPr lang="ru-RU" smtClean="0"/>
-              <a:t>22.05.2019</a:t>
+              <a:t>23.05.2019</a:t>
             </a:fld>
             <a:endParaRPr lang="ru-RU"/>
           </a:p>
@@ -2337,7 +2338,7 @@
           <a:p>
             <a:fld id="{81B23B3C-5F11-4E32-800A-6DF3DED5BE53}" type="datetimeFigureOut">
               <a:rPr lang="ru-RU" smtClean="0"/>
-              <a:t>22.05.2019</a:t>
+              <a:t>23.05.2019</a:t>
             </a:fld>
             <a:endParaRPr lang="ru-RU"/>
           </a:p>
@@ -2694,7 +2695,7 @@
           <a:p>
             <a:fld id="{81B23B3C-5F11-4E32-800A-6DF3DED5BE53}" type="datetimeFigureOut">
               <a:rPr lang="ru-RU" smtClean="0"/>
-              <a:t>22.05.2019</a:t>
+              <a:t>23.05.2019</a:t>
             </a:fld>
             <a:endParaRPr lang="ru-RU"/>
           </a:p>
@@ -3051,7 +3052,7 @@
           <a:p>
             <a:fld id="{81B23B3C-5F11-4E32-800A-6DF3DED5BE53}" type="datetimeFigureOut">
               <a:rPr lang="ru-RU" smtClean="0"/>
-              <a:t>22.05.2019</a:t>
+              <a:t>23.05.2019</a:t>
             </a:fld>
             <a:endParaRPr lang="ru-RU"/>
           </a:p>
@@ -3293,7 +3294,7 @@
           <a:p>
             <a:fld id="{81B23B3C-5F11-4E32-800A-6DF3DED5BE53}" type="datetimeFigureOut">
               <a:rPr lang="ru-RU" smtClean="0"/>
-              <a:t>22.05.2019</a:t>
+              <a:t>23.05.2019</a:t>
             </a:fld>
             <a:endParaRPr lang="ru-RU"/>
           </a:p>
@@ -5421,6 +5422,287 @@
         </p:nvSpPr>
         <p:spPr>
           <a:xfrm>
+            <a:off x="235520" y="334842"/>
+            <a:ext cx="7729728" cy="1188720"/>
+          </a:xfrm>
+        </p:spPr>
+        <p:txBody>
+          <a:bodyPr/>
+          <a:lstStyle/>
+          <a:p>
+            <a:r>
+              <a:rPr lang="ru-RU" dirty="0"/>
+              <a:t>Поиск</a:t>
+            </a:r>
+            <a:r>
+              <a:rPr lang="en-US" dirty="0"/>
+              <a:t> 2</a:t>
+            </a:r>
+            <a:endParaRPr lang="ru-RU" dirty="0"/>
+          </a:p>
+        </p:txBody>
+      </p:sp>
+      <p:sp>
+        <p:nvSpPr>
+          <p:cNvPr id="3" name="Объект 2">
+            <a:extLst>
+              <a:ext uri="{FF2B5EF4-FFF2-40B4-BE49-F238E27FC236}">
+                <a16:creationId xmlns:a16="http://schemas.microsoft.com/office/drawing/2014/main" id="{15138686-1419-4D58-B352-1015D6DAAA60}"/>
+              </a:ext>
+            </a:extLst>
+          </p:cNvPr>
+          <p:cNvSpPr>
+            <a:spLocks noGrp="1"/>
+          </p:cNvSpPr>
+          <p:nvPr>
+            <p:ph idx="1"/>
+          </p:nvPr>
+        </p:nvSpPr>
+        <p:spPr>
+          <a:xfrm>
+            <a:off x="1598141" y="1968844"/>
+            <a:ext cx="8362723" cy="3771184"/>
+          </a:xfrm>
+        </p:spPr>
+        <p:txBody>
+          <a:bodyPr/>
+          <a:lstStyle/>
+          <a:p>
+            <a:r>
+              <a:rPr lang="ru-RU" dirty="0"/>
+              <a:t>Множество функций</a:t>
+            </a:r>
+          </a:p>
+        </p:txBody>
+      </p:sp>
+      <p:pic>
+        <p:nvPicPr>
+          <p:cNvPr id="6" name="Рисунок 5">
+            <a:extLst>
+              <a:ext uri="{FF2B5EF4-FFF2-40B4-BE49-F238E27FC236}">
+                <a16:creationId xmlns:a16="http://schemas.microsoft.com/office/drawing/2014/main" id="{55F29D90-AB45-4976-BE90-A9D894EB6EFD}"/>
+              </a:ext>
+            </a:extLst>
+          </p:cNvPr>
+          <p:cNvPicPr>
+            <a:picLocks noChangeAspect="1"/>
+          </p:cNvPicPr>
+          <p:nvPr/>
+        </p:nvPicPr>
+        <p:blipFill>
+          <a:blip r:embed="rId2"/>
+          <a:stretch>
+            <a:fillRect/>
+          </a:stretch>
+        </p:blipFill>
+        <p:spPr>
+          <a:xfrm>
+            <a:off x="644999" y="2495807"/>
+            <a:ext cx="6280992" cy="1866385"/>
+          </a:xfrm>
+          <a:prstGeom prst="rect">
+            <a:avLst/>
+          </a:prstGeom>
+          <a:solidFill>
+            <a:srgbClr val="FFFFFF">
+              <a:shade val="85000"/>
+            </a:srgbClr>
+          </a:solidFill>
+          <a:ln w="88900" cap="sq">
+            <a:solidFill>
+              <a:srgbClr val="FFFFFF"/>
+            </a:solidFill>
+            <a:miter lim="800000"/>
+          </a:ln>
+          <a:effectLst>
+            <a:outerShdw blurRad="55000" dist="18000" dir="5400000" algn="tl" rotWithShape="0">
+              <a:srgbClr val="000000">
+                <a:alpha val="40000"/>
+              </a:srgbClr>
+            </a:outerShdw>
+          </a:effectLst>
+          <a:scene3d>
+            <a:camera prst="orthographicFront"/>
+            <a:lightRig rig="twoPt" dir="t">
+              <a:rot lat="0" lon="0" rev="7200000"/>
+            </a:lightRig>
+          </a:scene3d>
+          <a:sp3d>
+            <a:bevelT w="25400" h="19050"/>
+            <a:contourClr>
+              <a:srgbClr val="FFFFFF"/>
+            </a:contourClr>
+          </a:sp3d>
+        </p:spPr>
+      </p:pic>
+      <p:pic>
+        <p:nvPicPr>
+          <p:cNvPr id="8" name="Рисунок 7">
+            <a:extLst>
+              <a:ext uri="{FF2B5EF4-FFF2-40B4-BE49-F238E27FC236}">
+                <a16:creationId xmlns:a16="http://schemas.microsoft.com/office/drawing/2014/main" id="{3E683848-663F-462C-8C90-0F8946A3C3C9}"/>
+              </a:ext>
+            </a:extLst>
+          </p:cNvPr>
+          <p:cNvPicPr>
+            <a:picLocks noChangeAspect="1"/>
+          </p:cNvPicPr>
+          <p:nvPr/>
+        </p:nvPicPr>
+        <p:blipFill>
+          <a:blip r:embed="rId3"/>
+          <a:stretch>
+            <a:fillRect/>
+          </a:stretch>
+        </p:blipFill>
+        <p:spPr>
+          <a:xfrm>
+            <a:off x="8337487" y="827602"/>
+            <a:ext cx="3618993" cy="5850467"/>
+          </a:xfrm>
+          <a:prstGeom prst="rect">
+            <a:avLst/>
+          </a:prstGeom>
+          <a:solidFill>
+            <a:srgbClr val="FFFFFF">
+              <a:shade val="85000"/>
+            </a:srgbClr>
+          </a:solidFill>
+          <a:ln w="88900" cap="sq">
+            <a:solidFill>
+              <a:srgbClr val="FFFFFF"/>
+            </a:solidFill>
+            <a:miter lim="800000"/>
+          </a:ln>
+          <a:effectLst>
+            <a:outerShdw blurRad="55000" dist="18000" dir="5400000" algn="tl" rotWithShape="0">
+              <a:srgbClr val="000000">
+                <a:alpha val="40000"/>
+              </a:srgbClr>
+            </a:outerShdw>
+          </a:effectLst>
+          <a:scene3d>
+            <a:camera prst="orthographicFront"/>
+            <a:lightRig rig="twoPt" dir="t">
+              <a:rot lat="0" lon="0" rev="7200000"/>
+            </a:lightRig>
+          </a:scene3d>
+          <a:sp3d>
+            <a:bevelT w="25400" h="19050"/>
+            <a:contourClr>
+              <a:srgbClr val="FFFFFF"/>
+            </a:contourClr>
+          </a:sp3d>
+        </p:spPr>
+      </p:pic>
+      <p:pic>
+        <p:nvPicPr>
+          <p:cNvPr id="10" name="Рисунок 9">
+            <a:extLst>
+              <a:ext uri="{FF2B5EF4-FFF2-40B4-BE49-F238E27FC236}">
+                <a16:creationId xmlns:a16="http://schemas.microsoft.com/office/drawing/2014/main" id="{4421A773-42D8-4C7C-A59E-63F34E8EB8FC}"/>
+              </a:ext>
+            </a:extLst>
+          </p:cNvPr>
+          <p:cNvPicPr>
+            <a:picLocks noChangeAspect="1"/>
+          </p:cNvPicPr>
+          <p:nvPr/>
+        </p:nvPicPr>
+        <p:blipFill>
+          <a:blip r:embed="rId4"/>
+          <a:stretch>
+            <a:fillRect/>
+          </a:stretch>
+        </p:blipFill>
+        <p:spPr>
+          <a:xfrm>
+            <a:off x="135466" y="4555424"/>
+            <a:ext cx="8424333" cy="2156849"/>
+          </a:xfrm>
+          <a:prstGeom prst="rect">
+            <a:avLst/>
+          </a:prstGeom>
+          <a:solidFill>
+            <a:srgbClr val="FFFFFF">
+              <a:shade val="85000"/>
+            </a:srgbClr>
+          </a:solidFill>
+          <a:ln w="88900" cap="sq">
+            <a:solidFill>
+              <a:srgbClr val="FFFFFF"/>
+            </a:solidFill>
+            <a:miter lim="800000"/>
+          </a:ln>
+          <a:effectLst>
+            <a:outerShdw blurRad="55000" dist="18000" dir="5400000" algn="tl" rotWithShape="0">
+              <a:srgbClr val="000000">
+                <a:alpha val="40000"/>
+              </a:srgbClr>
+            </a:outerShdw>
+          </a:effectLst>
+          <a:scene3d>
+            <a:camera prst="orthographicFront"/>
+            <a:lightRig rig="twoPt" dir="t">
+              <a:rot lat="0" lon="0" rev="7200000"/>
+            </a:lightRig>
+          </a:scene3d>
+          <a:sp3d>
+            <a:bevelT w="25400" h="19050"/>
+            <a:contourClr>
+              <a:srgbClr val="FFFFFF"/>
+            </a:contourClr>
+          </a:sp3d>
+        </p:spPr>
+      </p:pic>
+    </p:spTree>
+    <p:extLst>
+      <p:ext uri="{BB962C8B-B14F-4D97-AF65-F5344CB8AC3E}">
+        <p14:creationId xmlns:p14="http://schemas.microsoft.com/office/powerpoint/2010/main" val="2216742050"/>
+      </p:ext>
+    </p:extLst>
+  </p:cSld>
+  <p:clrMapOvr>
+    <a:masterClrMapping/>
+  </p:clrMapOvr>
+</p:sld>
+</file>
+
+<file path=ppt/slides/slide7.xml><?xml version="1.0" encoding="utf-8"?>
+<p:sld xmlns:a="http://schemas.openxmlformats.org/drawingml/2006/main" xmlns:r="http://schemas.openxmlformats.org/officeDocument/2006/relationships" xmlns:p="http://schemas.openxmlformats.org/presentationml/2006/main">
+  <p:cSld>
+    <p:spTree>
+      <p:nvGrpSpPr>
+        <p:cNvPr id="1" name=""/>
+        <p:cNvGrpSpPr/>
+        <p:nvPr/>
+      </p:nvGrpSpPr>
+      <p:grpSpPr>
+        <a:xfrm>
+          <a:off x="0" y="0"/>
+          <a:ext cx="0" cy="0"/>
+          <a:chOff x="0" y="0"/>
+          <a:chExt cx="0" cy="0"/>
+        </a:xfrm>
+      </p:grpSpPr>
+      <p:sp>
+        <p:nvSpPr>
+          <p:cNvPr id="2" name="Заголовок 1">
+            <a:extLst>
+              <a:ext uri="{FF2B5EF4-FFF2-40B4-BE49-F238E27FC236}">
+                <a16:creationId xmlns:a16="http://schemas.microsoft.com/office/drawing/2014/main" id="{AE71A3E5-4A8F-4CCC-A022-9F7F7332573D}"/>
+              </a:ext>
+            </a:extLst>
+          </p:cNvPr>
+          <p:cNvSpPr>
+            <a:spLocks noGrp="1"/>
+          </p:cNvSpPr>
+          <p:nvPr>
+            <p:ph type="title"/>
+          </p:nvPr>
+        </p:nvSpPr>
+        <p:spPr>
+          <a:xfrm>
             <a:off x="2140520" y="437470"/>
             <a:ext cx="7729728" cy="1188720"/>
           </a:xfrm>
@@ -5786,7 +6068,7 @@
 </p:sld>
 </file>
 
-<file path=ppt/slides/slide7.xml><?xml version="1.0" encoding="utf-8"?>
+<file path=ppt/slides/slide8.xml><?xml version="1.0" encoding="utf-8"?>
 <p:sld xmlns:a="http://schemas.openxmlformats.org/drawingml/2006/main" xmlns:r="http://schemas.openxmlformats.org/officeDocument/2006/relationships" xmlns:p="http://schemas.openxmlformats.org/presentationml/2006/main">
   <p:cSld>
     <p:spTree>
@@ -6095,7 +6377,7 @@
 </p:sld>
 </file>
 
-<file path=ppt/slides/slide8.xml><?xml version="1.0" encoding="utf-8"?>
+<file path=ppt/slides/slide9.xml><?xml version="1.0" encoding="utf-8"?>
 <p:sld xmlns:a="http://schemas.openxmlformats.org/drawingml/2006/main" xmlns:r="http://schemas.openxmlformats.org/officeDocument/2006/relationships" xmlns:p="http://schemas.openxmlformats.org/presentationml/2006/main">
   <p:cSld>
     <p:spTree>
